--- a/python_demo_lesson.pptx
+++ b/python_demo_lesson.pptx
@@ -22,10 +22,9 @@
     <p:sldId id="270" r:id="rId16"/>
     <p:sldId id="271" r:id="rId17"/>
     <p:sldId id="272" r:id="rId18"/>
-    <p:sldId id="273" r:id="rId19"/>
   </p:sldIdLst>
   <p:notesMasterIdLst>
-    <p:notesMasterId r:id="rId20"/>
+    <p:notesMasterId r:id="rId19"/>
   </p:notesMasterIdLst>
   <p:sldSz cx="12192000" cy="6858000"/>
   <p:notesSz cx="6858000" cy="12192000"/>
@@ -519,7 +518,7 @@
           <a:p>
             <a:r>
               <a:rPr lang="en-US" dirty="0"/>
-              <a:t/>
+              <a:t>Notes for interviewers: this lesson would be taught after a brief overview of python and programming languages</a:t>
             </a:r>
             <a:endParaRPr lang="en-US" dirty="0"/>
           </a:p>
@@ -871,7 +870,7 @@
           <a:p>
             <a:r>
               <a:rPr lang="en-US" dirty="0"/>
-              <a:t/>
+              <a:t>Run the code above and give me a thumbs up!</a:t>
             </a:r>
             <a:endParaRPr lang="en-US" dirty="0"/>
           </a:p>
@@ -959,7 +958,7 @@
           <a:p>
             <a:r>
               <a:rPr lang="en-US" dirty="0"/>
-              <a:t>Run the code above and give me a thumbs up!</a:t>
+              <a:t/>
             </a:r>
             <a:endParaRPr lang="en-US" dirty="0"/>
           </a:p>
@@ -1047,7 +1046,7 @@
           <a:p>
             <a:r>
               <a:rPr lang="en-US" dirty="0"/>
-              <a:t/>
+              <a:t>Run the code above and give me a thumbs up!</a:t>
             </a:r>
             <a:endParaRPr lang="en-US" dirty="0"/>
           </a:p>
@@ -1135,7 +1134,7 @@
           <a:p>
             <a:r>
               <a:rPr lang="en-US" dirty="0"/>
-              <a:t>Run the code above and give me a thumbs up!</a:t>
+              <a:t/>
             </a:r>
             <a:endParaRPr lang="en-US" dirty="0"/>
           </a:p>
@@ -1265,7 +1264,7 @@
 </p:notes>
 </file>
 
-<file path=ppt/notesSlides/notesSlide18.xml><?xml version="1.0" encoding="utf-8"?>
+<file path=ppt/notesSlides/notesSlide2.xml><?xml version="1.0" encoding="utf-8"?>
 <p:notes xmlns:a="http://schemas.openxmlformats.org/drawingml/2006/main" xmlns:r="http://schemas.openxmlformats.org/officeDocument/2006/relationships" xmlns:p="http://schemas.openxmlformats.org/presentationml/2006/main">
   <p:cSld>
     <p:spTree>
@@ -1311,7 +1310,7 @@
           <a:p>
             <a:r>
               <a:rPr lang="en-US" dirty="0"/>
-              <a:t/>
+              <a:t>Give me a thumbs up when you're ready to move on!</a:t>
             </a:r>
             <a:endParaRPr lang="en-US" dirty="0"/>
           </a:p>
@@ -1334,7 +1333,7 @@
           <a:p>
             <a:fld id="{F7021451-1387-4CA6-816F-3879F97B5CBC}" type="slidenum">
               <a:rPr lang="en-US"/>
-              <a:t>18</a:t>
+              <a:t>2</a:t>
             </a:fld>
             <a:endParaRPr lang="en-US"/>
           </a:p>
@@ -1353,7 +1352,7 @@
 </p:notes>
 </file>
 
-<file path=ppt/notesSlides/notesSlide2.xml><?xml version="1.0" encoding="utf-8"?>
+<file path=ppt/notesSlides/notesSlide3.xml><?xml version="1.0" encoding="utf-8"?>
 <p:notes xmlns:a="http://schemas.openxmlformats.org/drawingml/2006/main" xmlns:r="http://schemas.openxmlformats.org/officeDocument/2006/relationships" xmlns:p="http://schemas.openxmlformats.org/presentationml/2006/main">
   <p:cSld>
     <p:spTree>
@@ -1399,7 +1398,7 @@
           <a:p>
             <a:r>
               <a:rPr lang="en-US" dirty="0"/>
-              <a:t>Give me a thumbs up when you're ready to move on!</a:t>
+              <a:t>You'll need to switch back and forth between Teams and your browser. I've indicated the slide numbers beside each section of the notebook to help you keep track of where we are in the lesson. I also want you to disable AI suggestions by going to settings (gear icon at the top right) and clicking AI Assistance, then uncheck "show AI-powered inline completions" if it's checked.</a:t>
             </a:r>
             <a:endParaRPr lang="en-US" dirty="0"/>
           </a:p>
@@ -1422,7 +1421,7 @@
           <a:p>
             <a:fld id="{F7021451-1387-4CA6-816F-3879F97B5CBC}" type="slidenum">
               <a:rPr lang="en-US"/>
-              <a:t>2</a:t>
+              <a:t>3</a:t>
             </a:fld>
             <a:endParaRPr lang="en-US"/>
           </a:p>
@@ -1441,94 +1440,6 @@
 </p:notes>
 </file>
 
-<file path=ppt/notesSlides/notesSlide3.xml><?xml version="1.0" encoding="utf-8"?>
-<p:notes xmlns:a="http://schemas.openxmlformats.org/drawingml/2006/main" xmlns:r="http://schemas.openxmlformats.org/officeDocument/2006/relationships" xmlns:p="http://schemas.openxmlformats.org/presentationml/2006/main">
-  <p:cSld>
-    <p:spTree>
-      <p:nvGrpSpPr>
-        <p:cNvPr id="1" name=""/>
-        <p:cNvGrpSpPr/>
-        <p:nvPr/>
-      </p:nvGrpSpPr>
-      <p:grpSpPr>
-        <a:xfrm>
-          <a:off x="0" y="0"/>
-          <a:ext cx="0" cy="0"/>
-          <a:chOff x="0" y="0"/>
-          <a:chExt cx="0" cy="0"/>
-        </a:xfrm>
-      </p:grpSpPr>
-      <p:sp>
-        <p:nvSpPr>
-          <p:cNvPr id="2" name="Slide Image Placeholder 1"/>
-          <p:cNvSpPr>
-            <a:spLocks noGrp="1" noRot="1" noChangeAspect="1"/>
-          </p:cNvSpPr>
-          <p:nvPr>
-            <p:ph type="sldImg"/>
-          </p:nvPr>
-        </p:nvSpPr>
-        <p:spPr/>
-      </p:sp>
-      <p:sp>
-        <p:nvSpPr>
-          <p:cNvPr id="3" name="Notes Placeholder 2"/>
-          <p:cNvSpPr>
-            <a:spLocks noGrp="1"/>
-          </p:cNvSpPr>
-          <p:nvPr>
-            <p:ph type="body" idx="1"/>
-          </p:nvPr>
-        </p:nvSpPr>
-        <p:spPr/>
-        <p:txBody>
-          <a:bodyPr/>
-          <a:lstStyle/>
-          <a:p>
-            <a:r>
-              <a:rPr lang="en-US" dirty="0"/>
-              <a:t>You'll need to switch back and forth between Teams and your browser. I've indicated the slide numbers beside each section of the notebook to help you keep track of where we are in the lesson. I also want you to disable AI suggestions by going to settings (gear icon at the top right) and clicking AI Assistance, then uncheck "show AI-powered inline completions" if it's checked.</a:t>
-            </a:r>
-            <a:endParaRPr lang="en-US" dirty="0"/>
-          </a:p>
-        </p:txBody>
-      </p:sp>
-      <p:sp>
-        <p:nvSpPr>
-          <p:cNvPr id="4" name="Slide Number Placeholder 3"/>
-          <p:cNvSpPr>
-            <a:spLocks noGrp="1"/>
-          </p:cNvSpPr>
-          <p:nvPr>
-            <p:ph type="sldNum" sz="quarter" idx="10"/>
-          </p:nvPr>
-        </p:nvSpPr>
-        <p:spPr/>
-        <p:txBody>
-          <a:bodyPr/>
-          <a:lstStyle/>
-          <a:p>
-            <a:fld id="{F7021451-1387-4CA6-816F-3879F97B5CBC}" type="slidenum">
-              <a:rPr lang="en-US"/>
-              <a:t>3</a:t>
-            </a:fld>
-            <a:endParaRPr lang="en-US"/>
-          </a:p>
-        </p:txBody>
-      </p:sp>
-    </p:spTree>
-    <p:extLst>
-      <p:ext uri="{BB962C8B-B14F-4D97-AF65-F5344CB8AC3E}">
-        <p14:creationId xmlns:p14="http://schemas.microsoft.com/office/powerpoint/2010/main" val="1024086991"/>
-      </p:ext>
-    </p:extLst>
-  </p:cSld>
-  <p:clrMapOvr>
-    <a:masterClrMapping/>
-  </p:clrMapOvr>
-</p:notes>
-</file>
-
 <file path=ppt/notesSlides/notesSlide4.xml><?xml version="1.0" encoding="utf-8"?>
 <p:notes xmlns:a="http://schemas.openxmlformats.org/drawingml/2006/main" xmlns:r="http://schemas.openxmlformats.org/officeDocument/2006/relationships" xmlns:p="http://schemas.openxmlformats.org/presentationml/2006/main">
   <p:cSld>
@@ -1576,9 +1487,7 @@
             <a:r>
               <a:rPr lang="en-US" dirty="0"/>
               <a:t>Give me a thumbs up when you're ready!
-Notes: What is this print() thing?
-This is one of many built-in "functions" available in Python.  In describing this line, one would say that we are "calling the print function and passing in the variable 'a'." Don't worry for now if that's too much to remember!
-A function is kind of a mini-program. Soon you'll be writing your own functions, but we will only be using or "calling" them for now.</a:t>
+`print()` is one of many built-in "functions" available in Python.  In describing this line, one would say that we are "calling the print function and passing in the variable 'a'." Don't worry for now if that's too much to remember! A function is kind of a mini-program. Soon you'll be writing your own functions, but we will only be using or "calling" them for now.</a:t>
             </a:r>
             <a:endParaRPr lang="en-US" dirty="0"/>
           </a:p>
@@ -2682,45 +2591,6 @@
 <file path=ppt/slides/slide17.xml><?xml version="1.0" encoding="utf-8"?>
 <p:sld xmlns:a="http://schemas.openxmlformats.org/drawingml/2006/main" xmlns:r="http://schemas.openxmlformats.org/officeDocument/2006/relationships" xmlns:p="http://schemas.openxmlformats.org/presentationml/2006/main">
   <p:cSld name="Slide 17">
-    <p:bg>
-      <p:bgPr>
-        <a:blipFill dpi="0" rotWithShape="1">
-          <a:blip r:embed="rId1">
-            <a:lum/>
-          </a:blip>
-          <a:srcRect/>
-          <a:stretch>
-            <a:fillRect/>
-          </a:stretch>
-        </a:blipFill>
-        <a:effectLst/>
-      </p:bgPr>
-    </p:bg>
-    <p:spTree>
-      <p:nvGrpSpPr>
-        <p:cNvPr id="1" name=""/>
-        <p:cNvGrpSpPr/>
-        <p:nvPr/>
-      </p:nvGrpSpPr>
-      <p:grpSpPr>
-        <a:xfrm>
-          <a:off x="0" y="0"/>
-          <a:ext cx="0" cy="0"/>
-          <a:chOff x="0" y="0"/>
-          <a:chExt cx="0" cy="0"/>
-        </a:xfrm>
-      </p:grpSpPr>
-    </p:spTree>
-  </p:cSld>
-  <p:clrMapOvr>
-    <a:masterClrMapping/>
-  </p:clrMapOvr>
-</p:sld>
-</file>
-
-<file path=ppt/slides/slide18.xml><?xml version="1.0" encoding="utf-8"?>
-<p:sld xmlns:a="http://schemas.openxmlformats.org/drawingml/2006/main" xmlns:r="http://schemas.openxmlformats.org/officeDocument/2006/relationships" xmlns:p="http://schemas.openxmlformats.org/presentationml/2006/main">
-  <p:cSld name="Slide 18">
     <p:bg>
       <p:bgPr>
         <a:blipFill dpi="0" rotWithShape="1">

--- a/python_demo_lesson.pptx
+++ b/python_demo_lesson.pptx
@@ -1310,7 +1310,7 @@
           <a:p>
             <a:r>
               <a:rPr lang="en-US" dirty="0"/>
-              <a:t>Give me a thumbs up when you're ready to move on!</a:t>
+              <a:t>Give me a thumbs up when you're ready to move on! By the way, I also want you to disable AI suggestions by going to settings (gear icon at the top right) and clicking AI Assistance, then uncheck "show AI-powered inline completions" if it's checked.</a:t>
             </a:r>
             <a:endParaRPr lang="en-US" dirty="0"/>
           </a:p>
@@ -1398,7 +1398,7 @@
           <a:p>
             <a:r>
               <a:rPr lang="en-US" dirty="0"/>
-              <a:t>You'll need to switch back and forth between Teams and your browser. I've indicated the slide numbers beside each section of the notebook to help you keep track of where we are in the lesson. I also want you to disable AI suggestions by going to settings (gear icon at the top right) and clicking AI Assistance, then uncheck "show AI-powered inline completions" if it's checked.</a:t>
+              <a:t>You'll need to switch back and forth between Teams and your browser. These slides mirror the notebook, and I've indicated the slide numbers beside each section of the notebook to help you keep track of where we are in the lesson.</a:t>
             </a:r>
             <a:endParaRPr lang="en-US" dirty="0"/>
           </a:p>
